--- a/LAB6.pptx
+++ b/LAB6.pptx
@@ -7011,6 +7011,154 @@
           </a:prstGeom>
         </p:spPr>
       </p:pic>
+      <p:cxnSp>
+        <p:nvCxnSpPr>
+          <p:cNvPr id="3" name="Straight Arrow Connector 2"/>
+          <p:cNvCxnSpPr/>
+          <p:nvPr/>
+        </p:nvCxnSpPr>
+        <p:spPr>
+          <a:xfrm>
+            <a:off x="3352165" y="5156200"/>
+            <a:ext cx="1304290" cy="1176655"/>
+          </a:xfrm>
+          <a:prstGeom prst="straightConnector1">
+            <a:avLst/>
+          </a:prstGeom>
+          <a:ln w="31750" cap="rnd">
+            <a:solidFill>
+              <a:schemeClr val="accent1"/>
+            </a:solidFill>
+            <a:round/>
+            <a:tailEnd type="arrow" w="med" len="med"/>
+          </a:ln>
+        </p:spPr>
+        <p:style>
+          <a:lnRef idx="0">
+            <a:srgbClr val="FFFFFF"/>
+          </a:lnRef>
+          <a:fillRef idx="0">
+            <a:srgbClr val="FFFFFF"/>
+          </a:fillRef>
+          <a:effectRef idx="0">
+            <a:srgbClr val="FFFFFF"/>
+          </a:effectRef>
+          <a:fontRef idx="minor">
+            <a:schemeClr val="tx1"/>
+          </a:fontRef>
+        </p:style>
+      </p:cxnSp>
+      <p:cxnSp>
+        <p:nvCxnSpPr>
+          <p:cNvPr id="7" name="Straight Arrow Connector 6"/>
+          <p:cNvCxnSpPr/>
+          <p:nvPr/>
+        </p:nvCxnSpPr>
+        <p:spPr>
+          <a:xfrm flipV="1">
+            <a:off x="3352165" y="812800"/>
+            <a:ext cx="1304290" cy="600710"/>
+          </a:xfrm>
+          <a:prstGeom prst="straightConnector1">
+            <a:avLst/>
+          </a:prstGeom>
+          <a:ln w="31750" cap="rnd">
+            <a:solidFill>
+              <a:schemeClr val="accent1"/>
+            </a:solidFill>
+            <a:round/>
+            <a:tailEnd type="arrow" w="med" len="med"/>
+          </a:ln>
+        </p:spPr>
+        <p:style>
+          <a:lnRef idx="0">
+            <a:srgbClr val="FFFFFF"/>
+          </a:lnRef>
+          <a:fillRef idx="0">
+            <a:srgbClr val="FFFFFF"/>
+          </a:fillRef>
+          <a:effectRef idx="0">
+            <a:srgbClr val="FFFFFF"/>
+          </a:effectRef>
+          <a:fontRef idx="minor">
+            <a:schemeClr val="tx1"/>
+          </a:fontRef>
+        </p:style>
+      </p:cxnSp>
+      <p:cxnSp>
+        <p:nvCxnSpPr>
+          <p:cNvPr id="8" name="Straight Arrow Connector 7"/>
+          <p:cNvCxnSpPr/>
+          <p:nvPr/>
+        </p:nvCxnSpPr>
+        <p:spPr>
+          <a:xfrm>
+            <a:off x="7060565" y="5003800"/>
+            <a:ext cx="1304290" cy="1176655"/>
+          </a:xfrm>
+          <a:prstGeom prst="straightConnector1">
+            <a:avLst/>
+          </a:prstGeom>
+          <a:ln w="31750" cap="rnd">
+            <a:solidFill>
+              <a:schemeClr val="accent1"/>
+            </a:solidFill>
+            <a:round/>
+            <a:tailEnd type="arrow" w="med" len="med"/>
+          </a:ln>
+        </p:spPr>
+        <p:style>
+          <a:lnRef idx="0">
+            <a:srgbClr val="FFFFFF"/>
+          </a:lnRef>
+          <a:fillRef idx="0">
+            <a:srgbClr val="FFFFFF"/>
+          </a:fillRef>
+          <a:effectRef idx="0">
+            <a:srgbClr val="FFFFFF"/>
+          </a:effectRef>
+          <a:fontRef idx="minor">
+            <a:schemeClr val="tx1"/>
+          </a:fontRef>
+        </p:style>
+      </p:cxnSp>
+      <p:cxnSp>
+        <p:nvCxnSpPr>
+          <p:cNvPr id="14" name="Straight Arrow Connector 13"/>
+          <p:cNvCxnSpPr/>
+          <p:nvPr/>
+        </p:nvCxnSpPr>
+        <p:spPr>
+          <a:xfrm flipV="1">
+            <a:off x="7060565" y="685800"/>
+            <a:ext cx="1304290" cy="600710"/>
+          </a:xfrm>
+          <a:prstGeom prst="straightConnector1">
+            <a:avLst/>
+          </a:prstGeom>
+          <a:ln w="31750" cap="rnd">
+            <a:solidFill>
+              <a:schemeClr val="accent1"/>
+            </a:solidFill>
+            <a:round/>
+            <a:tailEnd type="arrow" w="med" len="med"/>
+          </a:ln>
+        </p:spPr>
+        <p:style>
+          <a:lnRef idx="0">
+            <a:srgbClr val="FFFFFF"/>
+          </a:lnRef>
+          <a:fillRef idx="0">
+            <a:srgbClr val="FFFFFF"/>
+          </a:fillRef>
+          <a:effectRef idx="0">
+            <a:srgbClr val="FFFFFF"/>
+          </a:effectRef>
+          <a:fontRef idx="minor">
+            <a:schemeClr val="tx1"/>
+          </a:fontRef>
+        </p:style>
+      </p:cxnSp>
     </p:spTree>
   </p:cSld>
   <p:clrMapOvr>
